--- a/Arcade Machine Mania.pptx
+++ b/Arcade Machine Mania.pptx
@@ -5,7 +5,7 @@
     <p:sldMasterId id="2147483715" r:id="rId1"/>
   </p:sldMasterIdLst>
   <p:notesMasterIdLst>
-    <p:notesMasterId r:id="rId9"/>
+    <p:notesMasterId r:id="rId10"/>
   </p:notesMasterIdLst>
   <p:sldIdLst>
     <p:sldId id="256" r:id="rId2"/>
@@ -14,7 +14,8 @@
     <p:sldId id="259" r:id="rId5"/>
     <p:sldId id="260" r:id="rId6"/>
     <p:sldId id="261" r:id="rId7"/>
-    <p:sldId id="262" r:id="rId8"/>
+    <p:sldId id="263" r:id="rId8"/>
+    <p:sldId id="262" r:id="rId9"/>
   </p:sldIdLst>
   <p:sldSz cx="12192000" cy="6858000"/>
   <p:notesSz cx="6858000" cy="9144000"/>
@@ -203,7 +204,7 @@
           <a:p>
             <a:fld id="{9E950004-B6C6-4A9F-9FC7-786ED4320DEF}" type="datetimeFigureOut">
               <a:rPr lang="hu-HU" smtClean="0"/>
-              <a:t>2024. 11. 05.</a:t>
+              <a:t>2024. 11. 12.</a:t>
             </a:fld>
             <a:endParaRPr lang="hu-HU"/>
           </a:p>
@@ -739,7 +740,7 @@
           <a:p>
             <a:fld id="{88D38747-4367-4BD2-8D51-C97E202738E2}" type="datetime1">
               <a:rPr lang="en-US" smtClean="0"/>
-              <a:t>11/5/2024</a:t>
+              <a:t>11/12/2024</a:t>
             </a:fld>
             <a:endParaRPr lang="en-US" dirty="0"/>
           </a:p>
@@ -1044,7 +1045,7 @@
           <a:p>
             <a:fld id="{11F1B079-7EF0-44EE-B798-BCC497C9F3B2}" type="datetime1">
               <a:rPr lang="en-US" smtClean="0"/>
-              <a:t>11/5/2024</a:t>
+              <a:t>11/12/2024</a:t>
             </a:fld>
             <a:endParaRPr lang="en-US" dirty="0"/>
           </a:p>
@@ -1238,7 +1239,7 @@
           <a:p>
             <a:fld id="{28FF70A8-1D13-4657-95F0-A9EA54967B8D}" type="datetime1">
               <a:rPr lang="en-US" smtClean="0"/>
-              <a:t>11/5/2024</a:t>
+              <a:t>11/12/2024</a:t>
             </a:fld>
             <a:endParaRPr lang="en-US" dirty="0"/>
           </a:p>
@@ -1501,7 +1502,7 @@
           <a:p>
             <a:fld id="{21EB90AC-71BD-4C7F-8ACA-7B3F18292E63}" type="datetime1">
               <a:rPr lang="en-US" smtClean="0"/>
-              <a:t>11/5/2024</a:t>
+              <a:t>11/12/2024</a:t>
             </a:fld>
             <a:endParaRPr lang="en-US" dirty="0"/>
           </a:p>
@@ -1937,7 +1938,7 @@
           <a:p>
             <a:fld id="{4E6EFC2C-8905-46F0-B443-CE905B76BA01}" type="datetime1">
               <a:rPr lang="en-US" smtClean="0"/>
-              <a:t>11/5/2024</a:t>
+              <a:t>11/12/2024</a:t>
             </a:fld>
             <a:endParaRPr lang="en-US" dirty="0"/>
           </a:p>
@@ -2474,7 +2475,7 @@
           <a:p>
             <a:fld id="{D9079DC3-C9B5-499E-9140-0DC28B7074E2}" type="datetime1">
               <a:rPr lang="en-US" smtClean="0"/>
-              <a:t>11/5/2024</a:t>
+              <a:t>11/12/2024</a:t>
             </a:fld>
             <a:endParaRPr lang="en-US" dirty="0"/>
           </a:p>
@@ -3356,7 +3357,7 @@
           <a:p>
             <a:fld id="{30BB33EA-E472-4D22-9C03-A9C14AA21CED}" type="datetime1">
               <a:rPr lang="en-US" smtClean="0"/>
-              <a:t>11/5/2024</a:t>
+              <a:t>11/12/2024</a:t>
             </a:fld>
             <a:endParaRPr lang="en-US" dirty="0"/>
           </a:p>
@@ -3526,7 +3527,7 @@
           <a:p>
             <a:fld id="{217E833E-1B6D-415F-AD29-75AE8C43BD0D}" type="datetime1">
               <a:rPr lang="en-US" smtClean="0"/>
-              <a:t>11/5/2024</a:t>
+              <a:t>11/12/2024</a:t>
             </a:fld>
             <a:endParaRPr lang="en-US" dirty="0"/>
           </a:p>
@@ -3710,7 +3711,7 @@
           <a:p>
             <a:fld id="{8452596F-08A7-4B70-989A-F2B1CF31E66B}" type="datetime1">
               <a:rPr lang="en-US" smtClean="0"/>
-              <a:t>11/5/2024</a:t>
+              <a:t>11/12/2024</a:t>
             </a:fld>
             <a:endParaRPr lang="en-US" dirty="0"/>
           </a:p>
@@ -3880,7 +3881,7 @@
           <a:p>
             <a:fld id="{73C55A3C-5767-4844-A0A3-83778C2E5409}" type="datetime1">
               <a:rPr lang="en-US" smtClean="0"/>
-              <a:t>11/5/2024</a:t>
+              <a:t>11/12/2024</a:t>
             </a:fld>
             <a:endParaRPr lang="en-US" dirty="0"/>
           </a:p>
@@ -4124,7 +4125,7 @@
           <a:p>
             <a:fld id="{CAE507A8-A5CF-4D38-AB86-7EDDA87A85D4}" type="datetime1">
               <a:rPr lang="en-US" smtClean="0"/>
-              <a:t>11/5/2024</a:t>
+              <a:t>11/12/2024</a:t>
             </a:fld>
             <a:endParaRPr lang="en-US" dirty="0"/>
           </a:p>
@@ -4366,7 +4367,7 @@
           <a:p>
             <a:fld id="{BDFCD27C-8599-43EF-BA1D-14DDC1946E06}" type="datetime1">
               <a:rPr lang="en-US" smtClean="0"/>
-              <a:t>11/5/2024</a:t>
+              <a:t>11/12/2024</a:t>
             </a:fld>
             <a:endParaRPr lang="en-US" dirty="0"/>
           </a:p>
@@ -4847,7 +4848,7 @@
           <a:p>
             <a:fld id="{49343D99-809A-49C0-96E5-4250D0B498EE}" type="datetime1">
               <a:rPr lang="en-US" smtClean="0"/>
-              <a:t>11/5/2024</a:t>
+              <a:t>11/12/2024</a:t>
             </a:fld>
             <a:endParaRPr lang="en-US" dirty="0"/>
           </a:p>
@@ -4965,7 +4966,7 @@
           <a:p>
             <a:fld id="{A143DE9B-B678-4EFB-BB7D-A4370204A0B0}" type="datetime1">
               <a:rPr lang="en-US" smtClean="0"/>
-              <a:t>11/5/2024</a:t>
+              <a:t>11/12/2024</a:t>
             </a:fld>
             <a:endParaRPr lang="en-US" dirty="0"/>
           </a:p>
@@ -5060,7 +5061,7 @@
           <a:p>
             <a:fld id="{E68812DA-F765-4142-A6A3-A8ED7235E082}" type="datetime1">
               <a:rPr lang="en-US" smtClean="0"/>
-              <a:t>11/5/2024</a:t>
+              <a:t>11/12/2024</a:t>
             </a:fld>
             <a:endParaRPr lang="en-US" dirty="0"/>
           </a:p>
@@ -5315,7 +5316,7 @@
           <a:p>
             <a:fld id="{3E0277FD-7DE6-41D4-930D-AC99F5AFE54E}" type="datetime1">
               <a:rPr lang="en-US" smtClean="0"/>
-              <a:t>11/5/2024</a:t>
+              <a:t>11/12/2024</a:t>
             </a:fld>
             <a:endParaRPr lang="en-US" dirty="0"/>
           </a:p>
@@ -5622,7 +5623,7 @@
           <a:p>
             <a:fld id="{9EA15526-7079-4B7B-987C-1B5FAE11A0FF}" type="datetime1">
               <a:rPr lang="en-US" smtClean="0"/>
-              <a:t>11/5/2024</a:t>
+              <a:t>11/12/2024</a:t>
             </a:fld>
             <a:endParaRPr lang="en-US" dirty="0"/>
           </a:p>
@@ -5857,7 +5858,7 @@
           <a:p>
             <a:fld id="{073ED0CC-082F-4160-86E5-0D6041F12778}" type="datetime1">
               <a:rPr lang="en-US" smtClean="0"/>
-              <a:t>11/5/2024</a:t>
+              <a:t>11/12/2024</a:t>
             </a:fld>
             <a:endParaRPr lang="en-US" dirty="0"/>
           </a:p>
@@ -7481,28 +7482,6 @@
           </a:p>
           <a:p>
             <a:r>
-              <a:rPr lang="hu-HU" sz="2400" dirty="0"/>
-              <a:t>A </a:t>
-            </a:r>
-            <a:r>
-              <a:rPr lang="hu-HU" sz="2400" dirty="0" err="1"/>
-              <a:t>főmenűt</a:t>
-            </a:r>
-            <a:r>
-              <a:rPr lang="hu-HU" sz="2400" dirty="0"/>
-              <a:t> 1 héten belül </a:t>
-            </a:r>
-            <a:r>
-              <a:rPr lang="hu-HU" sz="2400" dirty="0" err="1"/>
-              <a:t>telejesen</a:t>
-            </a:r>
-            <a:r>
-              <a:rPr lang="hu-HU" sz="2400" dirty="0"/>
-              <a:t> elkészítjük, a játékokat pedig a téliszünet előtt már be fogjuk fejezni – egyet minimum</a:t>
-            </a:r>
-          </a:p>
-          <a:p>
-            <a:r>
               <a:rPr lang="hu-HU" sz="2400" dirty="0">
                 <a:hlinkClick r:id="rId2"/>
               </a:rPr>
@@ -8622,7 +8601,10 @@
           <a:bodyPr/>
           <a:lstStyle/>
           <a:p>
-            <a:endParaRPr lang="hu-HU"/>
+            <a:r>
+              <a:rPr lang="hu-HU" dirty="0"/>
+              <a:t>Ütemterv</a:t>
+            </a:r>
           </a:p>
         </p:txBody>
       </p:sp>
@@ -8647,7 +8629,22 @@
           <a:bodyPr/>
           <a:lstStyle/>
           <a:p>
-            <a:endParaRPr lang="hu-HU"/>
+            <a:r>
+              <a:rPr lang="hu-HU" sz="2000" dirty="0"/>
+              <a:t>A főmenűt november 21-re teljesen elkészítjük</a:t>
+            </a:r>
+          </a:p>
+          <a:p>
+            <a:r>
+              <a:rPr lang="hu-HU" sz="2000" dirty="0"/>
+              <a:t>Az első játék december 23-ra, a többi kettő játék január 9-re fog elkészülni</a:t>
+            </a:r>
+          </a:p>
+          <a:p>
+            <a:r>
+              <a:rPr lang="hu-HU" sz="2000" dirty="0"/>
+              <a:t>A félév további fennmaradó részében optimalizáljuk és a végső formájába öntjük a weboldalt</a:t>
+            </a:r>
           </a:p>
         </p:txBody>
       </p:sp>
@@ -8665,6 +8662,567 @@
 </file>
 
 <file path=ppt/slides/slide7.xml><?xml version="1.0" encoding="utf-8"?>
+<p:sld xmlns:a="http://schemas.openxmlformats.org/drawingml/2006/main" xmlns:r="http://schemas.openxmlformats.org/officeDocument/2006/relationships" xmlns:p="http://schemas.openxmlformats.org/presentationml/2006/main">
+  <p:cSld>
+    <p:spTree>
+      <p:nvGrpSpPr>
+        <p:cNvPr id="1" name=""/>
+        <p:cNvGrpSpPr/>
+        <p:nvPr/>
+      </p:nvGrpSpPr>
+      <p:grpSpPr>
+        <a:xfrm>
+          <a:off x="0" y="0"/>
+          <a:ext cx="0" cy="0"/>
+          <a:chOff x="0" y="0"/>
+          <a:chExt cx="0" cy="0"/>
+        </a:xfrm>
+      </p:grpSpPr>
+      <p:sp>
+        <p:nvSpPr>
+          <p:cNvPr id="2" name="Cím 1">
+            <a:extLst>
+              <a:ext uri="{FF2B5EF4-FFF2-40B4-BE49-F238E27FC236}">
+                <a16:creationId xmlns:a16="http://schemas.microsoft.com/office/drawing/2014/main" id="{0ED76765-AF66-C598-0278-6E0D407EACCA}"/>
+              </a:ext>
+            </a:extLst>
+          </p:cNvPr>
+          <p:cNvSpPr>
+            <a:spLocks noGrp="1"/>
+          </p:cNvSpPr>
+          <p:nvPr>
+            <p:ph type="title"/>
+          </p:nvPr>
+        </p:nvSpPr>
+        <p:spPr/>
+        <p:txBody>
+          <a:bodyPr/>
+          <a:lstStyle/>
+          <a:p>
+            <a:r>
+              <a:rPr lang="hu-HU" dirty="0"/>
+              <a:t>Látványterv</a:t>
+            </a:r>
+          </a:p>
+        </p:txBody>
+      </p:sp>
+      <p:pic>
+        <p:nvPicPr>
+          <p:cNvPr id="5" name="Tartalom helye 4" descr="A képen diagram, Téglalap, vázlat, tervezés látható&#10;&#10;Automatikusan generált leírás">
+            <a:extLst>
+              <a:ext uri="{FF2B5EF4-FFF2-40B4-BE49-F238E27FC236}">
+                <a16:creationId xmlns:a16="http://schemas.microsoft.com/office/drawing/2014/main" id="{6E2F4FDE-4516-66FA-F300-CEE35D766633}"/>
+              </a:ext>
+            </a:extLst>
+          </p:cNvPr>
+          <p:cNvPicPr>
+            <a:picLocks noGrp="1" noChangeAspect="1"/>
+          </p:cNvPicPr>
+          <p:nvPr>
+            <p:ph idx="1"/>
+          </p:nvPr>
+        </p:nvPicPr>
+        <p:blipFill>
+          <a:blip r:embed="rId2">
+            <a:extLst>
+              <a:ext uri="{28A0092B-C50C-407E-A947-70E740481C1C}">
+                <a14:useLocalDpi xmlns:a14="http://schemas.microsoft.com/office/drawing/2010/main" val="0"/>
+              </a:ext>
+            </a:extLst>
+          </a:blip>
+          <a:stretch>
+            <a:fillRect/>
+          </a:stretch>
+        </p:blipFill>
+        <p:spPr>
+          <a:xfrm>
+            <a:off x="2197015" y="1698210"/>
+            <a:ext cx="7444984" cy="4602354"/>
+          </a:xfrm>
+        </p:spPr>
+      </p:pic>
+      <p:sp>
+        <p:nvSpPr>
+          <p:cNvPr id="7" name="Szövegdoboz 6">
+            <a:extLst>
+              <a:ext uri="{FF2B5EF4-FFF2-40B4-BE49-F238E27FC236}">
+                <a16:creationId xmlns:a16="http://schemas.microsoft.com/office/drawing/2014/main" id="{FB1BC2A7-40F7-45C1-8AEB-44754D1F558C}"/>
+              </a:ext>
+            </a:extLst>
+          </p:cNvPr>
+          <p:cNvSpPr txBox="1"/>
+          <p:nvPr/>
+        </p:nvSpPr>
+        <p:spPr>
+          <a:xfrm>
+            <a:off x="5044542" y="3105277"/>
+            <a:ext cx="632102" cy="261610"/>
+          </a:xfrm>
+          <a:prstGeom prst="rect">
+            <a:avLst/>
+          </a:prstGeom>
+          <a:noFill/>
+        </p:spPr>
+        <p:txBody>
+          <a:bodyPr wrap="square">
+            <a:spAutoFit/>
+          </a:bodyPr>
+          <a:lstStyle/>
+          <a:p>
+            <a:r>
+              <a:rPr lang="hu-HU" sz="1100" dirty="0">
+                <a:solidFill>
+                  <a:schemeClr val="bg1"/>
+                </a:solidFill>
+              </a:rPr>
+              <a:t>Játék1</a:t>
+            </a:r>
+          </a:p>
+        </p:txBody>
+      </p:sp>
+      <p:sp>
+        <p:nvSpPr>
+          <p:cNvPr id="8" name="Szövegdoboz 7">
+            <a:extLst>
+              <a:ext uri="{FF2B5EF4-FFF2-40B4-BE49-F238E27FC236}">
+                <a16:creationId xmlns:a16="http://schemas.microsoft.com/office/drawing/2014/main" id="{0B181F25-656D-628E-536D-C3B5B3A63D8F}"/>
+              </a:ext>
+            </a:extLst>
+          </p:cNvPr>
+          <p:cNvSpPr txBox="1"/>
+          <p:nvPr/>
+        </p:nvSpPr>
+        <p:spPr>
+          <a:xfrm>
+            <a:off x="5676644" y="3105277"/>
+            <a:ext cx="632102" cy="261610"/>
+          </a:xfrm>
+          <a:prstGeom prst="rect">
+            <a:avLst/>
+          </a:prstGeom>
+          <a:noFill/>
+        </p:spPr>
+        <p:txBody>
+          <a:bodyPr wrap="square">
+            <a:spAutoFit/>
+          </a:bodyPr>
+          <a:lstStyle/>
+          <a:p>
+            <a:r>
+              <a:rPr lang="hu-HU" sz="1100" dirty="0">
+                <a:solidFill>
+                  <a:schemeClr val="bg1"/>
+                </a:solidFill>
+              </a:rPr>
+              <a:t>Játék2</a:t>
+            </a:r>
+          </a:p>
+        </p:txBody>
+      </p:sp>
+      <p:sp>
+        <p:nvSpPr>
+          <p:cNvPr id="9" name="Szövegdoboz 8">
+            <a:extLst>
+              <a:ext uri="{FF2B5EF4-FFF2-40B4-BE49-F238E27FC236}">
+                <a16:creationId xmlns:a16="http://schemas.microsoft.com/office/drawing/2014/main" id="{1F1D8C92-F5CE-1DA6-5693-D662A957F7B6}"/>
+              </a:ext>
+            </a:extLst>
+          </p:cNvPr>
+          <p:cNvSpPr txBox="1"/>
+          <p:nvPr/>
+        </p:nvSpPr>
+        <p:spPr>
+          <a:xfrm>
+            <a:off x="6446466" y="4353875"/>
+            <a:ext cx="632102" cy="261610"/>
+          </a:xfrm>
+          <a:prstGeom prst="rect">
+            <a:avLst/>
+          </a:prstGeom>
+          <a:noFill/>
+        </p:spPr>
+        <p:txBody>
+          <a:bodyPr wrap="square">
+            <a:spAutoFit/>
+          </a:bodyPr>
+          <a:lstStyle/>
+          <a:p>
+            <a:r>
+              <a:rPr lang="hu-HU" sz="1100" dirty="0">
+                <a:solidFill>
+                  <a:schemeClr val="bg1"/>
+                </a:solidFill>
+              </a:rPr>
+              <a:t>Játék9</a:t>
+            </a:r>
+          </a:p>
+        </p:txBody>
+      </p:sp>
+      <p:sp>
+        <p:nvSpPr>
+          <p:cNvPr id="10" name="Szövegdoboz 9">
+            <a:extLst>
+              <a:ext uri="{FF2B5EF4-FFF2-40B4-BE49-F238E27FC236}">
+                <a16:creationId xmlns:a16="http://schemas.microsoft.com/office/drawing/2014/main" id="{4DF2A443-87A6-927F-5989-7E179B9527C7}"/>
+              </a:ext>
+            </a:extLst>
+          </p:cNvPr>
+          <p:cNvSpPr txBox="1"/>
+          <p:nvPr/>
+        </p:nvSpPr>
+        <p:spPr>
+          <a:xfrm>
+            <a:off x="5044542" y="3656425"/>
+            <a:ext cx="632102" cy="261610"/>
+          </a:xfrm>
+          <a:prstGeom prst="rect">
+            <a:avLst/>
+          </a:prstGeom>
+          <a:noFill/>
+        </p:spPr>
+        <p:txBody>
+          <a:bodyPr wrap="square">
+            <a:spAutoFit/>
+          </a:bodyPr>
+          <a:lstStyle/>
+          <a:p>
+            <a:r>
+              <a:rPr lang="hu-HU" sz="1100" dirty="0">
+                <a:solidFill>
+                  <a:schemeClr val="bg1"/>
+                </a:solidFill>
+              </a:rPr>
+              <a:t>Játék4</a:t>
+            </a:r>
+          </a:p>
+        </p:txBody>
+      </p:sp>
+      <p:sp>
+        <p:nvSpPr>
+          <p:cNvPr id="11" name="Szövegdoboz 10">
+            <a:extLst>
+              <a:ext uri="{FF2B5EF4-FFF2-40B4-BE49-F238E27FC236}">
+                <a16:creationId xmlns:a16="http://schemas.microsoft.com/office/drawing/2014/main" id="{6F4DFA54-BAEA-6FE9-FF7B-3BF4ADCAC209}"/>
+              </a:ext>
+            </a:extLst>
+          </p:cNvPr>
+          <p:cNvSpPr txBox="1"/>
+          <p:nvPr/>
+        </p:nvSpPr>
+        <p:spPr>
+          <a:xfrm>
+            <a:off x="5810633" y="3639943"/>
+            <a:ext cx="632102" cy="261610"/>
+          </a:xfrm>
+          <a:prstGeom prst="rect">
+            <a:avLst/>
+          </a:prstGeom>
+          <a:noFill/>
+        </p:spPr>
+        <p:txBody>
+          <a:bodyPr wrap="square">
+            <a:spAutoFit/>
+          </a:bodyPr>
+          <a:lstStyle/>
+          <a:p>
+            <a:r>
+              <a:rPr lang="hu-HU" sz="1100" dirty="0">
+                <a:solidFill>
+                  <a:schemeClr val="bg1"/>
+                </a:solidFill>
+              </a:rPr>
+              <a:t>Játék5</a:t>
+            </a:r>
+          </a:p>
+        </p:txBody>
+      </p:sp>
+      <p:sp>
+        <p:nvSpPr>
+          <p:cNvPr id="12" name="Szövegdoboz 11">
+            <a:extLst>
+              <a:ext uri="{FF2B5EF4-FFF2-40B4-BE49-F238E27FC236}">
+                <a16:creationId xmlns:a16="http://schemas.microsoft.com/office/drawing/2014/main" id="{91BE7A50-8E36-0C52-A557-60B907B115F2}"/>
+              </a:ext>
+            </a:extLst>
+          </p:cNvPr>
+          <p:cNvSpPr txBox="1"/>
+          <p:nvPr/>
+        </p:nvSpPr>
+        <p:spPr>
+          <a:xfrm>
+            <a:off x="6423301" y="3623461"/>
+            <a:ext cx="632102" cy="261610"/>
+          </a:xfrm>
+          <a:prstGeom prst="rect">
+            <a:avLst/>
+          </a:prstGeom>
+          <a:noFill/>
+        </p:spPr>
+        <p:txBody>
+          <a:bodyPr wrap="square">
+            <a:spAutoFit/>
+          </a:bodyPr>
+          <a:lstStyle/>
+          <a:p>
+            <a:r>
+              <a:rPr lang="hu-HU" sz="1100" dirty="0">
+                <a:solidFill>
+                  <a:schemeClr val="bg1"/>
+                </a:solidFill>
+              </a:rPr>
+              <a:t>Játék6</a:t>
+            </a:r>
+          </a:p>
+        </p:txBody>
+      </p:sp>
+      <p:sp>
+        <p:nvSpPr>
+          <p:cNvPr id="13" name="Szövegdoboz 12">
+            <a:extLst>
+              <a:ext uri="{FF2B5EF4-FFF2-40B4-BE49-F238E27FC236}">
+                <a16:creationId xmlns:a16="http://schemas.microsoft.com/office/drawing/2014/main" id="{0E81AD61-8453-0DB0-56C5-93522FA9C24B}"/>
+              </a:ext>
+            </a:extLst>
+          </p:cNvPr>
+          <p:cNvSpPr txBox="1"/>
+          <p:nvPr/>
+        </p:nvSpPr>
+        <p:spPr>
+          <a:xfrm>
+            <a:off x="5110002" y="4296541"/>
+            <a:ext cx="632102" cy="261610"/>
+          </a:xfrm>
+          <a:prstGeom prst="rect">
+            <a:avLst/>
+          </a:prstGeom>
+          <a:noFill/>
+        </p:spPr>
+        <p:txBody>
+          <a:bodyPr wrap="square">
+            <a:spAutoFit/>
+          </a:bodyPr>
+          <a:lstStyle/>
+          <a:p>
+            <a:r>
+              <a:rPr lang="hu-HU" sz="1100" dirty="0">
+                <a:solidFill>
+                  <a:schemeClr val="bg1"/>
+                </a:solidFill>
+              </a:rPr>
+              <a:t>Játék7</a:t>
+            </a:r>
+          </a:p>
+        </p:txBody>
+      </p:sp>
+      <p:sp>
+        <p:nvSpPr>
+          <p:cNvPr id="14" name="Szövegdoboz 13">
+            <a:extLst>
+              <a:ext uri="{FF2B5EF4-FFF2-40B4-BE49-F238E27FC236}">
+                <a16:creationId xmlns:a16="http://schemas.microsoft.com/office/drawing/2014/main" id="{03A98682-73AD-B6D2-89AF-9104724D5B60}"/>
+              </a:ext>
+            </a:extLst>
+          </p:cNvPr>
+          <p:cNvSpPr txBox="1"/>
+          <p:nvPr/>
+        </p:nvSpPr>
+        <p:spPr>
+          <a:xfrm>
+            <a:off x="5846434" y="4269890"/>
+            <a:ext cx="632102" cy="261610"/>
+          </a:xfrm>
+          <a:prstGeom prst="rect">
+            <a:avLst/>
+          </a:prstGeom>
+          <a:noFill/>
+        </p:spPr>
+        <p:txBody>
+          <a:bodyPr wrap="square">
+            <a:spAutoFit/>
+          </a:bodyPr>
+          <a:lstStyle/>
+          <a:p>
+            <a:r>
+              <a:rPr lang="hu-HU" sz="1100" dirty="0">
+                <a:solidFill>
+                  <a:schemeClr val="bg1"/>
+                </a:solidFill>
+              </a:rPr>
+              <a:t>Játék8</a:t>
+            </a:r>
+          </a:p>
+        </p:txBody>
+      </p:sp>
+      <p:sp>
+        <p:nvSpPr>
+          <p:cNvPr id="16" name="Szövegdoboz 15">
+            <a:extLst>
+              <a:ext uri="{FF2B5EF4-FFF2-40B4-BE49-F238E27FC236}">
+                <a16:creationId xmlns:a16="http://schemas.microsoft.com/office/drawing/2014/main" id="{34FA43EB-1A7A-4009-B0CC-AC90CEBF97DF}"/>
+              </a:ext>
+            </a:extLst>
+          </p:cNvPr>
+          <p:cNvSpPr txBox="1"/>
+          <p:nvPr/>
+        </p:nvSpPr>
+        <p:spPr>
+          <a:xfrm>
+            <a:off x="6442735" y="3105277"/>
+            <a:ext cx="632102" cy="261610"/>
+          </a:xfrm>
+          <a:prstGeom prst="rect">
+            <a:avLst/>
+          </a:prstGeom>
+          <a:noFill/>
+        </p:spPr>
+        <p:txBody>
+          <a:bodyPr wrap="square">
+            <a:spAutoFit/>
+          </a:bodyPr>
+          <a:lstStyle/>
+          <a:p>
+            <a:r>
+              <a:rPr lang="hu-HU" sz="1100" dirty="0">
+                <a:solidFill>
+                  <a:schemeClr val="bg1"/>
+                </a:solidFill>
+              </a:rPr>
+              <a:t>Gomb</a:t>
+            </a:r>
+          </a:p>
+        </p:txBody>
+      </p:sp>
+      <p:sp>
+        <p:nvSpPr>
+          <p:cNvPr id="17" name="Szövegdoboz 16">
+            <a:extLst>
+              <a:ext uri="{FF2B5EF4-FFF2-40B4-BE49-F238E27FC236}">
+                <a16:creationId xmlns:a16="http://schemas.microsoft.com/office/drawing/2014/main" id="{43E7AC65-AC30-A936-895F-12B112994441}"/>
+              </a:ext>
+            </a:extLst>
+          </p:cNvPr>
+          <p:cNvSpPr txBox="1"/>
+          <p:nvPr/>
+        </p:nvSpPr>
+        <p:spPr>
+          <a:xfrm>
+            <a:off x="3194718" y="5362308"/>
+            <a:ext cx="632102" cy="261610"/>
+          </a:xfrm>
+          <a:prstGeom prst="rect">
+            <a:avLst/>
+          </a:prstGeom>
+          <a:noFill/>
+        </p:spPr>
+        <p:txBody>
+          <a:bodyPr wrap="square">
+            <a:spAutoFit/>
+          </a:bodyPr>
+          <a:lstStyle/>
+          <a:p>
+            <a:r>
+              <a:rPr lang="hu-HU" sz="1100" dirty="0">
+                <a:solidFill>
+                  <a:schemeClr val="bg1"/>
+                </a:solidFill>
+              </a:rPr>
+              <a:t>Gomb</a:t>
+            </a:r>
+          </a:p>
+        </p:txBody>
+      </p:sp>
+      <p:sp>
+        <p:nvSpPr>
+          <p:cNvPr id="18" name="Szövegdoboz 17">
+            <a:extLst>
+              <a:ext uri="{FF2B5EF4-FFF2-40B4-BE49-F238E27FC236}">
+                <a16:creationId xmlns:a16="http://schemas.microsoft.com/office/drawing/2014/main" id="{0370BD0F-D2A7-724B-6820-1F5039529215}"/>
+              </a:ext>
+            </a:extLst>
+          </p:cNvPr>
+          <p:cNvSpPr txBox="1"/>
+          <p:nvPr/>
+        </p:nvSpPr>
+        <p:spPr>
+          <a:xfrm>
+            <a:off x="4866629" y="5478865"/>
+            <a:ext cx="632102" cy="261610"/>
+          </a:xfrm>
+          <a:prstGeom prst="rect">
+            <a:avLst/>
+          </a:prstGeom>
+          <a:noFill/>
+        </p:spPr>
+        <p:txBody>
+          <a:bodyPr wrap="square">
+            <a:spAutoFit/>
+          </a:bodyPr>
+          <a:lstStyle/>
+          <a:p>
+            <a:r>
+              <a:rPr lang="hu-HU" sz="1100" dirty="0">
+                <a:solidFill>
+                  <a:schemeClr val="bg1"/>
+                </a:solidFill>
+              </a:rPr>
+              <a:t>Gomb</a:t>
+            </a:r>
+          </a:p>
+        </p:txBody>
+      </p:sp>
+      <p:sp>
+        <p:nvSpPr>
+          <p:cNvPr id="19" name="Szövegdoboz 18">
+            <a:extLst>
+              <a:ext uri="{FF2B5EF4-FFF2-40B4-BE49-F238E27FC236}">
+                <a16:creationId xmlns:a16="http://schemas.microsoft.com/office/drawing/2014/main" id="{4EC9E22A-7693-BF15-E891-BF84A6F8B9D5}"/>
+              </a:ext>
+            </a:extLst>
+          </p:cNvPr>
+          <p:cNvSpPr txBox="1"/>
+          <p:nvPr/>
+        </p:nvSpPr>
+        <p:spPr>
+          <a:xfrm>
+            <a:off x="7208258" y="5362308"/>
+            <a:ext cx="632102" cy="261610"/>
+          </a:xfrm>
+          <a:prstGeom prst="rect">
+            <a:avLst/>
+          </a:prstGeom>
+          <a:noFill/>
+        </p:spPr>
+        <p:txBody>
+          <a:bodyPr wrap="square">
+            <a:spAutoFit/>
+          </a:bodyPr>
+          <a:lstStyle/>
+          <a:p>
+            <a:r>
+              <a:rPr lang="hu-HU" sz="1100" dirty="0">
+                <a:solidFill>
+                  <a:schemeClr val="bg1"/>
+                </a:solidFill>
+              </a:rPr>
+              <a:t>Gomb</a:t>
+            </a:r>
+          </a:p>
+        </p:txBody>
+      </p:sp>
+    </p:spTree>
+    <p:extLst>
+      <p:ext uri="{BB962C8B-B14F-4D97-AF65-F5344CB8AC3E}">
+        <p14:creationId xmlns:p14="http://schemas.microsoft.com/office/powerpoint/2010/main" val="4221850985"/>
+      </p:ext>
+    </p:extLst>
+  </p:cSld>
+  <p:clrMapOvr>
+    <a:masterClrMapping/>
+  </p:clrMapOvr>
+</p:sld>
+</file>
+
+<file path=ppt/slides/slide8.xml><?xml version="1.0" encoding="utf-8"?>
 <p:sld xmlns:a="http://schemas.openxmlformats.org/drawingml/2006/main" xmlns:r="http://schemas.openxmlformats.org/officeDocument/2006/relationships" xmlns:p="http://schemas.openxmlformats.org/presentationml/2006/main">
   <p:cSld>
     <p:spTree>

--- a/Arcade Machine Mania.pptx
+++ b/Arcade Machine Mania.pptx
@@ -204,7 +204,7 @@
           <a:p>
             <a:fld id="{9E950004-B6C6-4A9F-9FC7-786ED4320DEF}" type="datetimeFigureOut">
               <a:rPr lang="hu-HU" smtClean="0"/>
-              <a:t>2024. 11. 12.</a:t>
+              <a:t>2024. 11. 28.</a:t>
             </a:fld>
             <a:endParaRPr lang="hu-HU"/>
           </a:p>
@@ -740,7 +740,7 @@
           <a:p>
             <a:fld id="{88D38747-4367-4BD2-8D51-C97E202738E2}" type="datetime1">
               <a:rPr lang="en-US" smtClean="0"/>
-              <a:t>11/12/2024</a:t>
+              <a:t>11/28/2024</a:t>
             </a:fld>
             <a:endParaRPr lang="en-US" dirty="0"/>
           </a:p>
@@ -1045,7 +1045,7 @@
           <a:p>
             <a:fld id="{11F1B079-7EF0-44EE-B798-BCC497C9F3B2}" type="datetime1">
               <a:rPr lang="en-US" smtClean="0"/>
-              <a:t>11/12/2024</a:t>
+              <a:t>11/28/2024</a:t>
             </a:fld>
             <a:endParaRPr lang="en-US" dirty="0"/>
           </a:p>
@@ -1239,7 +1239,7 @@
           <a:p>
             <a:fld id="{28FF70A8-1D13-4657-95F0-A9EA54967B8D}" type="datetime1">
               <a:rPr lang="en-US" smtClean="0"/>
-              <a:t>11/12/2024</a:t>
+              <a:t>11/28/2024</a:t>
             </a:fld>
             <a:endParaRPr lang="en-US" dirty="0"/>
           </a:p>
@@ -1502,7 +1502,7 @@
           <a:p>
             <a:fld id="{21EB90AC-71BD-4C7F-8ACA-7B3F18292E63}" type="datetime1">
               <a:rPr lang="en-US" smtClean="0"/>
-              <a:t>11/12/2024</a:t>
+              <a:t>11/28/2024</a:t>
             </a:fld>
             <a:endParaRPr lang="en-US" dirty="0"/>
           </a:p>
@@ -1938,7 +1938,7 @@
           <a:p>
             <a:fld id="{4E6EFC2C-8905-46F0-B443-CE905B76BA01}" type="datetime1">
               <a:rPr lang="en-US" smtClean="0"/>
-              <a:t>11/12/2024</a:t>
+              <a:t>11/28/2024</a:t>
             </a:fld>
             <a:endParaRPr lang="en-US" dirty="0"/>
           </a:p>
@@ -2475,7 +2475,7 @@
           <a:p>
             <a:fld id="{D9079DC3-C9B5-499E-9140-0DC28B7074E2}" type="datetime1">
               <a:rPr lang="en-US" smtClean="0"/>
-              <a:t>11/12/2024</a:t>
+              <a:t>11/28/2024</a:t>
             </a:fld>
             <a:endParaRPr lang="en-US" dirty="0"/>
           </a:p>
@@ -3357,7 +3357,7 @@
           <a:p>
             <a:fld id="{30BB33EA-E472-4D22-9C03-A9C14AA21CED}" type="datetime1">
               <a:rPr lang="en-US" smtClean="0"/>
-              <a:t>11/12/2024</a:t>
+              <a:t>11/28/2024</a:t>
             </a:fld>
             <a:endParaRPr lang="en-US" dirty="0"/>
           </a:p>
@@ -3527,7 +3527,7 @@
           <a:p>
             <a:fld id="{217E833E-1B6D-415F-AD29-75AE8C43BD0D}" type="datetime1">
               <a:rPr lang="en-US" smtClean="0"/>
-              <a:t>11/12/2024</a:t>
+              <a:t>11/28/2024</a:t>
             </a:fld>
             <a:endParaRPr lang="en-US" dirty="0"/>
           </a:p>
@@ -3711,7 +3711,7 @@
           <a:p>
             <a:fld id="{8452596F-08A7-4B70-989A-F2B1CF31E66B}" type="datetime1">
               <a:rPr lang="en-US" smtClean="0"/>
-              <a:t>11/12/2024</a:t>
+              <a:t>11/28/2024</a:t>
             </a:fld>
             <a:endParaRPr lang="en-US" dirty="0"/>
           </a:p>
@@ -3881,7 +3881,7 @@
           <a:p>
             <a:fld id="{73C55A3C-5767-4844-A0A3-83778C2E5409}" type="datetime1">
               <a:rPr lang="en-US" smtClean="0"/>
-              <a:t>11/12/2024</a:t>
+              <a:t>11/28/2024</a:t>
             </a:fld>
             <a:endParaRPr lang="en-US" dirty="0"/>
           </a:p>
@@ -4125,7 +4125,7 @@
           <a:p>
             <a:fld id="{CAE507A8-A5CF-4D38-AB86-7EDDA87A85D4}" type="datetime1">
               <a:rPr lang="en-US" smtClean="0"/>
-              <a:t>11/12/2024</a:t>
+              <a:t>11/28/2024</a:t>
             </a:fld>
             <a:endParaRPr lang="en-US" dirty="0"/>
           </a:p>
@@ -4367,7 +4367,7 @@
           <a:p>
             <a:fld id="{BDFCD27C-8599-43EF-BA1D-14DDC1946E06}" type="datetime1">
               <a:rPr lang="en-US" smtClean="0"/>
-              <a:t>11/12/2024</a:t>
+              <a:t>11/28/2024</a:t>
             </a:fld>
             <a:endParaRPr lang="en-US" dirty="0"/>
           </a:p>
@@ -4848,7 +4848,7 @@
           <a:p>
             <a:fld id="{49343D99-809A-49C0-96E5-4250D0B498EE}" type="datetime1">
               <a:rPr lang="en-US" smtClean="0"/>
-              <a:t>11/12/2024</a:t>
+              <a:t>11/28/2024</a:t>
             </a:fld>
             <a:endParaRPr lang="en-US" dirty="0"/>
           </a:p>
@@ -4966,7 +4966,7 @@
           <a:p>
             <a:fld id="{A143DE9B-B678-4EFB-BB7D-A4370204A0B0}" type="datetime1">
               <a:rPr lang="en-US" smtClean="0"/>
-              <a:t>11/12/2024</a:t>
+              <a:t>11/28/2024</a:t>
             </a:fld>
             <a:endParaRPr lang="en-US" dirty="0"/>
           </a:p>
@@ -5061,7 +5061,7 @@
           <a:p>
             <a:fld id="{E68812DA-F765-4142-A6A3-A8ED7235E082}" type="datetime1">
               <a:rPr lang="en-US" smtClean="0"/>
-              <a:t>11/12/2024</a:t>
+              <a:t>11/28/2024</a:t>
             </a:fld>
             <a:endParaRPr lang="en-US" dirty="0"/>
           </a:p>
@@ -5316,7 +5316,7 @@
           <a:p>
             <a:fld id="{3E0277FD-7DE6-41D4-930D-AC99F5AFE54E}" type="datetime1">
               <a:rPr lang="en-US" smtClean="0"/>
-              <a:t>11/12/2024</a:t>
+              <a:t>11/28/2024</a:t>
             </a:fld>
             <a:endParaRPr lang="en-US" dirty="0"/>
           </a:p>
@@ -5623,7 +5623,7 @@
           <a:p>
             <a:fld id="{9EA15526-7079-4B7B-987C-1B5FAE11A0FF}" type="datetime1">
               <a:rPr lang="en-US" smtClean="0"/>
-              <a:t>11/12/2024</a:t>
+              <a:t>11/28/2024</a:t>
             </a:fld>
             <a:endParaRPr lang="en-US" dirty="0"/>
           </a:p>
@@ -5858,7 +5858,7 @@
           <a:p>
             <a:fld id="{073ED0CC-082F-4160-86E5-0D6041F12778}" type="datetime1">
               <a:rPr lang="en-US" smtClean="0"/>
-              <a:t>11/12/2024</a:t>
+              <a:t>11/28/2024</a:t>
             </a:fld>
             <a:endParaRPr lang="en-US" dirty="0"/>
           </a:p>
@@ -6578,7 +6578,7 @@
                 <a16:creationId xmlns:a16="http://schemas.microsoft.com/office/drawing/2014/main" id="{BD32A07D-C646-4CC0-BA93-76707E707231}"/>
               </a:ext>
               <a:ext uri="{C183D7F6-B498-43B3-948B-1728B52AA6E4}">
-                <adec:decorative xmlns:adec="http://schemas.microsoft.com/office/drawing/2017/decorative" val="1"/>
+                <adec:decorative xmlns:adec="http://schemas.microsoft.com/office/drawing/2017/decorative" xmlns="" val="1"/>
               </a:ext>
             </a:extLst>
           </p:cNvPr>
@@ -7080,7 +7080,7 @@
                 <a16:creationId xmlns:a16="http://schemas.microsoft.com/office/drawing/2014/main" id="{0EF2A0DA-AE81-4A45-972E-646AC2870C2F}"/>
               </a:ext>
               <a:ext uri="{C183D7F6-B498-43B3-948B-1728B52AA6E4}">
-                <adec:decorative xmlns:adec="http://schemas.microsoft.com/office/drawing/2017/decorative" val="1"/>
+                <adec:decorative xmlns:adec="http://schemas.microsoft.com/office/drawing/2017/decorative" xmlns="" val="1"/>
               </a:ext>
             </a:extLst>
           </p:cNvPr>
@@ -7176,7 +7176,7 @@
                 <a16:creationId xmlns:a16="http://schemas.microsoft.com/office/drawing/2014/main" id="{B536FA4E-0152-4E27-91DA-0FC22D1846BB}"/>
               </a:ext>
               <a:ext uri="{C183D7F6-B498-43B3-948B-1728B52AA6E4}">
-                <adec:decorative xmlns:adec="http://schemas.microsoft.com/office/drawing/2017/decorative" val="1"/>
+                <adec:decorative xmlns:adec="http://schemas.microsoft.com/office/drawing/2017/decorative" xmlns="" val="1"/>
               </a:ext>
             </a:extLst>
           </p:cNvPr>
@@ -7551,7 +7551,7 @@
                 <a16:creationId xmlns:a16="http://schemas.microsoft.com/office/drawing/2014/main" id="{D9D9D0AB-1E2F-44A8-B9C6-FA4098301883}"/>
               </a:ext>
               <a:ext uri="{C183D7F6-B498-43B3-948B-1728B52AA6E4}">
-                <adec:decorative xmlns:adec="http://schemas.microsoft.com/office/drawing/2017/decorative" val="1"/>
+                <adec:decorative xmlns:adec="http://schemas.microsoft.com/office/drawing/2017/decorative" xmlns="" val="1"/>
               </a:ext>
             </a:extLst>
           </p:cNvPr>
@@ -7648,7 +7648,7 @@
                 <a16:creationId xmlns:a16="http://schemas.microsoft.com/office/drawing/2014/main" id="{55D6961C-EFBF-4F83-A66D-899FB9B6C06E}"/>
               </a:ext>
               <a:ext uri="{C183D7F6-B498-43B3-948B-1728B52AA6E4}">
-                <adec:decorative xmlns:adec="http://schemas.microsoft.com/office/drawing/2017/decorative" val="1"/>
+                <adec:decorative xmlns:adec="http://schemas.microsoft.com/office/drawing/2017/decorative" xmlns="" val="1"/>
               </a:ext>
             </a:extLst>
           </p:cNvPr>
@@ -7856,7 +7856,7 @@
                 <a16:creationId xmlns:a16="http://schemas.microsoft.com/office/drawing/2014/main" id="{B14A291F-D692-4394-9C1B-867F6A07C4BB}"/>
               </a:ext>
               <a:ext uri="{C183D7F6-B498-43B3-948B-1728B52AA6E4}">
-                <adec:decorative xmlns:adec="http://schemas.microsoft.com/office/drawing/2017/decorative" val="1"/>
+                <adec:decorative xmlns:adec="http://schemas.microsoft.com/office/drawing/2017/decorative" xmlns="" val="1"/>
               </a:ext>
             </a:extLst>
           </p:cNvPr>
@@ -8064,7 +8064,7 @@
                 <a16:creationId xmlns:a16="http://schemas.microsoft.com/office/drawing/2014/main" id="{7DCE9305-533A-42E7-B986-4073CE70B159}"/>
               </a:ext>
               <a:ext uri="{C183D7F6-B498-43B3-948B-1728B52AA6E4}">
-                <adec:decorative xmlns:adec="http://schemas.microsoft.com/office/drawing/2017/decorative" val="1"/>
+                <adec:decorative xmlns:adec="http://schemas.microsoft.com/office/drawing/2017/decorative" xmlns="" val="1"/>
               </a:ext>
             </a:extLst>
           </p:cNvPr>
@@ -8302,7 +8302,7 @@
                 <a16:creationId xmlns:a16="http://schemas.microsoft.com/office/drawing/2014/main" id="{0E2BBE3E-D98A-4BB0-AEC2-97307ED12E82}"/>
               </a:ext>
               <a:ext uri="{C183D7F6-B498-43B3-948B-1728B52AA6E4}">
-                <adec:decorative xmlns:adec="http://schemas.microsoft.com/office/drawing/2017/decorative" val="1"/>
+                <adec:decorative xmlns:adec="http://schemas.microsoft.com/office/drawing/2017/decorative" xmlns="" val="1"/>
               </a:ext>
             </a:extLst>
           </p:cNvPr>
@@ -8631,13 +8631,57 @@
           <a:p>
             <a:r>
               <a:rPr lang="hu-HU" sz="2000" dirty="0"/>
-              <a:t>A főmenűt november 21-re teljesen elkészítjük</a:t>
-            </a:r>
-          </a:p>
-          <a:p>
+              <a:t>A </a:t>
+            </a:r>
+            <a:r>
+              <a:rPr lang="hu-HU" sz="2000" dirty="0" err="1"/>
+              <a:t>főmenűt</a:t>
+            </a:r>
             <a:r>
               <a:rPr lang="hu-HU" sz="2000" dirty="0"/>
-              <a:t>Az első játék december 23-ra, a többi kettő játék január 9-re fog elkészülni</a:t>
+              <a:t> </a:t>
+            </a:r>
+            <a:r>
+              <a:rPr lang="hu-HU" sz="2000" dirty="0" smtClean="0"/>
+              <a:t>december</a:t>
+            </a:r>
+            <a:r>
+              <a:rPr lang="hu-HU" sz="2000" dirty="0" smtClean="0"/>
+              <a:t> 5-re </a:t>
+            </a:r>
+            <a:r>
+              <a:rPr lang="hu-HU" sz="2000" dirty="0"/>
+              <a:t>teljesen elkészítjük</a:t>
+            </a:r>
+          </a:p>
+          <a:p>
+            <a:r>
+              <a:rPr lang="hu-HU" sz="2000" dirty="0"/>
+              <a:t>Az első játék december </a:t>
+            </a:r>
+            <a:r>
+              <a:rPr lang="hu-HU" sz="2000" dirty="0"/>
+              <a:t>5</a:t>
+            </a:r>
+            <a:r>
+              <a:rPr lang="hu-HU" sz="2000" dirty="0" smtClean="0"/>
+              <a:t>-re, </a:t>
+            </a:r>
+            <a:r>
+              <a:rPr lang="hu-HU" sz="2000" dirty="0"/>
+              <a:t>a többi kettő játék </a:t>
+            </a:r>
+            <a:r>
+              <a:rPr lang="hu-HU" sz="2000"/>
+              <a:t>január </a:t>
+            </a:r>
+            <a:r>
+              <a:rPr lang="hu-HU" sz="2000" smtClean="0"/>
+              <a:t>december 26-ra </a:t>
+            </a:r>
+            <a:r>
+              <a:rPr lang="hu-HU" sz="2000" dirty="0"/>
+              <a:t>fog elkészülni</a:t>
             </a:r>
           </a:p>
           <a:p>
